--- a/수업자료_GM/jQuery/[JQUERY]교재_4.메소드.pptx
+++ b/수업자료_GM/jQuery/[JQUERY]교재_4.메소드.pptx
@@ -288,7 +288,7 @@
       </p15:notesGuideLst>
     </p:ext>
     <p:ext uri="http://customooxmlschemas.google.com/">
-      <go:slidesCustomData xmlns:go="http://customooxmlschemas.google.com/" xmlns:ahyp="http://schemas.microsoft.com/office/drawing/2018/hyperlinkcolor" xmlns:p15="http://schemas.microsoft.com/office/powerpoint/2012/main" xmlns:p14="http://schemas.microsoft.com/office/powerpoint/2010/main" xmlns:com="http://schemas.openxmlformats.org/drawingml/2006/compatibility" xmlns:pvml="urn:schemas-microsoft-com:office:powerpoint" xmlns:v="urn:schemas-microsoft-com:vml" xmlns:o="urn:schemas-microsoft-com:office:office" xmlns:dgm="http://schemas.openxmlformats.org/drawingml/2006/diagram" xmlns:c="http://schemas.openxmlformats.org/drawingml/2006/chart" xmlns:mv="urn:schemas-microsoft-com:mac:vml" xmlns:mc="http://schemas.openxmlformats.org/markup-compatibility/2006" xmlns="" r:id="rId25" roundtripDataSignature="AMtx7mhB3LqpsVNFcmpsmm3bPvGz/lJFtQ=="/>
+      <go:slidesCustomData xmlns="" xmlns:mc="http://schemas.openxmlformats.org/markup-compatibility/2006" xmlns:mv="urn:schemas-microsoft-com:mac:vml" xmlns:c="http://schemas.openxmlformats.org/drawingml/2006/chart" xmlns:dgm="http://schemas.openxmlformats.org/drawingml/2006/diagram" xmlns:o="urn:schemas-microsoft-com:office:office" xmlns:v="urn:schemas-microsoft-com:vml" xmlns:pvml="urn:schemas-microsoft-com:office:powerpoint" xmlns:com="http://schemas.openxmlformats.org/drawingml/2006/compatibility" xmlns:p14="http://schemas.microsoft.com/office/powerpoint/2010/main" xmlns:p15="http://schemas.microsoft.com/office/powerpoint/2012/main" xmlns:ahyp="http://schemas.microsoft.com/office/drawing/2018/hyperlinkcolor" xmlns:go="http://customooxmlschemas.google.com/" r:id="rId25" roundtripDataSignature="AMtx7mhB3LqpsVNFcmpsmm3bPvGz/lJFtQ=="/>
     </p:ext>
   </p:extLst>
 </p:presentation>
@@ -11176,7 +11176,7 @@
         </p:nvGraphicFramePr>
         <p:xfrm>
           <a:off x="330798" y="1549102"/>
-          <a:ext cx="3000000" cy="3000000"/>
+          <a:ext cx="8212150" cy="4495860"/>
         </p:xfrm>
         <a:graphic>
           <a:graphicData uri="http://schemas.openxmlformats.org/drawingml/2006/table">
@@ -11713,7 +11713,31 @@
                 <a:cs typeface="Arial"/>
                 <a:sym typeface="Arial"/>
               </a:rPr>
-              <a:t>선택 요소내부에  추가하는 메소드 들</a:t>
+              <a:t>선택 </a:t>
+            </a:r>
+            <a:r>
+              <a:rPr lang="en-US" sz="2000" b="1" i="0" u="none" strike="noStrike" cap="none" smtClean="0">
+                <a:solidFill>
+                  <a:schemeClr val="dk1"/>
+                </a:solidFill>
+                <a:latin typeface="Arial"/>
+                <a:ea typeface="Arial"/>
+                <a:cs typeface="Arial"/>
+                <a:sym typeface="Arial"/>
+              </a:rPr>
+              <a:t>요소 내부에  </a:t>
+            </a:r>
+            <a:r>
+              <a:rPr lang="en-US" sz="2000" b="1" i="0" u="none" strike="noStrike" cap="none">
+                <a:solidFill>
+                  <a:schemeClr val="dk1"/>
+                </a:solidFill>
+                <a:latin typeface="Arial"/>
+                <a:ea typeface="Arial"/>
+                <a:cs typeface="Arial"/>
+                <a:sym typeface="Arial"/>
+              </a:rPr>
+              <a:t>추가하는 메소드 들</a:t>
             </a:r>
             <a:endParaRPr sz="2000" b="1" i="0" u="none" strike="noStrike" cap="none">
               <a:solidFill>
@@ -11883,7 +11907,7 @@
         </p:nvGraphicFramePr>
         <p:xfrm>
           <a:off x="416859" y="1936380"/>
-          <a:ext cx="3000000" cy="3000000"/>
+          <a:ext cx="8212150" cy="3519710"/>
         </p:xfrm>
         <a:graphic>
           <a:graphicData uri="http://schemas.openxmlformats.org/drawingml/2006/table">
@@ -13234,7 +13258,7 @@
         </p:nvGraphicFramePr>
         <p:xfrm>
           <a:off x="438376" y="1570617"/>
-          <a:ext cx="3000000" cy="3000000"/>
+          <a:ext cx="8212125" cy="2321840"/>
         </p:xfrm>
         <a:graphic>
           <a:graphicData uri="http://schemas.openxmlformats.org/drawingml/2006/table">
@@ -13598,7 +13622,7 @@
         </p:nvGraphicFramePr>
         <p:xfrm>
           <a:off x="447341" y="4544974"/>
-          <a:ext cx="3000000" cy="3000000"/>
+          <a:ext cx="8254000" cy="1582685"/>
         </p:xfrm>
         <a:graphic>
           <a:graphicData uri="http://schemas.openxmlformats.org/drawingml/2006/table">
@@ -13944,7 +13968,7 @@
         </p:nvGraphicFramePr>
         <p:xfrm>
           <a:off x="438375" y="1473797"/>
-          <a:ext cx="3000000" cy="3000000"/>
+          <a:ext cx="8212150" cy="3117710"/>
         </p:xfrm>
         <a:graphic>
           <a:graphicData uri="http://schemas.openxmlformats.org/drawingml/2006/table">

--- a/수업자료_GM/jQuery/[JQUERY]교재_4.메소드.pptx
+++ b/수업자료_GM/jQuery/[JQUERY]교재_4.메소드.pptx
@@ -288,7 +288,7 @@
       </p15:notesGuideLst>
     </p:ext>
     <p:ext uri="http://customooxmlschemas.google.com/">
-      <go:slidesCustomData xmlns="" xmlns:mc="http://schemas.openxmlformats.org/markup-compatibility/2006" xmlns:mv="urn:schemas-microsoft-com:mac:vml" xmlns:c="http://schemas.openxmlformats.org/drawingml/2006/chart" xmlns:dgm="http://schemas.openxmlformats.org/drawingml/2006/diagram" xmlns:o="urn:schemas-microsoft-com:office:office" xmlns:v="urn:schemas-microsoft-com:vml" xmlns:pvml="urn:schemas-microsoft-com:office:powerpoint" xmlns:com="http://schemas.openxmlformats.org/drawingml/2006/compatibility" xmlns:p14="http://schemas.microsoft.com/office/powerpoint/2010/main" xmlns:p15="http://schemas.microsoft.com/office/powerpoint/2012/main" xmlns:ahyp="http://schemas.microsoft.com/office/drawing/2018/hyperlinkcolor" xmlns:go="http://customooxmlschemas.google.com/" r:id="rId25" roundtripDataSignature="AMtx7mhB3LqpsVNFcmpsmm3bPvGz/lJFtQ=="/>
+      <go:slidesCustomData xmlns:go="http://customooxmlschemas.google.com/" xmlns:ahyp="http://schemas.microsoft.com/office/drawing/2018/hyperlinkcolor" xmlns:p15="http://schemas.microsoft.com/office/powerpoint/2012/main" xmlns:p14="http://schemas.microsoft.com/office/powerpoint/2010/main" xmlns:com="http://schemas.openxmlformats.org/drawingml/2006/compatibility" xmlns:pvml="urn:schemas-microsoft-com:office:powerpoint" xmlns:v="urn:schemas-microsoft-com:vml" xmlns:o="urn:schemas-microsoft-com:office:office" xmlns:dgm="http://schemas.openxmlformats.org/drawingml/2006/diagram" xmlns:c="http://schemas.openxmlformats.org/drawingml/2006/chart" xmlns:mv="urn:schemas-microsoft-com:mac:vml" xmlns:mc="http://schemas.openxmlformats.org/markup-compatibility/2006" xmlns="" r:id="rId25" roundtripDataSignature="AMtx7mhB3LqpsVNFcmpsmm3bPvGz/lJFtQ=="/>
     </p:ext>
   </p:extLst>
 </p:presentation>
@@ -6993,7 +6993,7 @@
         </p:nvGraphicFramePr>
         <p:xfrm>
           <a:off x="384585" y="1043492"/>
-          <a:ext cx="3000000" cy="3000000"/>
+          <a:ext cx="8350625" cy="4504900"/>
         </p:xfrm>
         <a:graphic>
           <a:graphicData uri="http://schemas.openxmlformats.org/drawingml/2006/table">
@@ -7510,11 +7510,17 @@
         <p:nvGraphicFramePr>
           <p:cNvPr id="122" name="Google Shape;122;p12"/>
           <p:cNvGraphicFramePr/>
-          <p:nvPr/>
+          <p:nvPr>
+            <p:extLst>
+              <p:ext uri="{D42A27DB-BD31-4B8C-83A1-F6EECF244321}">
+                <p14:modId xmlns:p14="http://schemas.microsoft.com/office/powerpoint/2010/main" val="2005462185"/>
+              </p:ext>
+            </p:extLst>
+          </p:nvPr>
         </p:nvGraphicFramePr>
         <p:xfrm>
           <a:off x="287766" y="1038114"/>
-          <a:ext cx="3000000" cy="3000000"/>
+          <a:ext cx="8350625" cy="5430935"/>
         </p:xfrm>
         <a:graphic>
           <a:graphicData uri="http://schemas.openxmlformats.org/drawingml/2006/table">
@@ -7923,7 +7929,38 @@
                         </a:spcAft>
                         <a:buNone/>
                       </a:pPr>
-                      <a:endParaRPr sz="1800" u="none" strike="noStrike" cap="none"/>
+                      <a:endParaRPr lang="en-US" sz="1800" u="none" strike="noStrike" cap="none" dirty="0" smtClean="0"/>
+                    </a:p>
+                    <a:p>
+                      <a:pPr marL="0" marR="0" lvl="0" indent="0" algn="l" rtl="0">
+                        <a:spcBef>
+                          <a:spcPts val="0"/>
+                        </a:spcBef>
+                        <a:spcAft>
+                          <a:spcPts val="0"/>
+                        </a:spcAft>
+                        <a:buNone/>
+                      </a:pPr>
+                      <a:r>
+                        <a:rPr lang="en-US" sz="1800" u="none" strike="noStrike" cap="none" dirty="0" smtClean="0"/>
+                        <a:t>   Javascript            jQuery</a:t>
+                      </a:r>
+                    </a:p>
+                    <a:p>
+                      <a:pPr marL="0" marR="0" lvl="0" indent="0" algn="l" rtl="0">
+                        <a:spcBef>
+                          <a:spcPts val="0"/>
+                        </a:spcBef>
+                        <a:spcAft>
+                          <a:spcPts val="0"/>
+                        </a:spcAft>
+                        <a:buNone/>
+                      </a:pPr>
+                      <a:r>
+                        <a:rPr lang="en-US" sz="1800" u="none" strike="noStrike" cap="none" dirty="0" smtClean="0"/>
+                        <a:t>ClassList.add ()  -&gt;  addClass()</a:t>
+                      </a:r>
+                      <a:endParaRPr sz="1800" u="none" strike="noStrike" cap="none" dirty="0"/>
                     </a:p>
                   </a:txBody>
                   <a:tcPr marL="91450" marR="91450" marT="45725" marB="45725"/>
@@ -8074,7 +8111,7 @@
         </p:nvGraphicFramePr>
         <p:xfrm>
           <a:off x="384585" y="1043492"/>
-          <a:ext cx="3000000" cy="3000000"/>
+          <a:ext cx="8350625" cy="5141110"/>
         </p:xfrm>
         <a:graphic>
           <a:graphicData uri="http://schemas.openxmlformats.org/drawingml/2006/table">
@@ -9164,10 +9201,18 @@
               <a:buNone/>
             </a:pPr>
             <a:r>
-              <a:rPr lang="en-US"/>
-              <a:t>prop() –속성상태 설정 및 상태 얻기</a:t>
+              <a:rPr lang="en-US" dirty="0"/>
+              <a:t>prop() –속성</a:t>
             </a:r>
-            <a:endParaRPr/>
+            <a:r>
+              <a:rPr lang="en-US" u="sng" dirty="0"/>
+              <a:t>상태</a:t>
+            </a:r>
+            <a:r>
+              <a:rPr lang="en-US" dirty="0"/>
+              <a:t> 설정 및 상태 얻기</a:t>
+            </a:r>
+            <a:endParaRPr dirty="0"/>
           </a:p>
         </p:txBody>
       </p:sp>
@@ -14505,7 +14550,7 @@
         </p:nvGraphicFramePr>
         <p:xfrm>
           <a:off x="395342" y="849854"/>
-          <a:ext cx="3000000" cy="3000000"/>
+          <a:ext cx="8350625" cy="4288885"/>
         </p:xfrm>
         <a:graphic>
           <a:graphicData uri="http://schemas.openxmlformats.org/drawingml/2006/table">
